--- a/资料/0124/客户品牌v1.pptx
+++ b/资料/0124/客户品牌v1.pptx
@@ -1,14 +1,14 @@
 
 <file path=ppt/presentation.xml><?xml version="1.0" encoding="utf-8"?>
-<p:presentation xmlns:a="http://schemas.openxmlformats.org/drawingml/2006/main" xmlns:r="http://schemas.openxmlformats.org/officeDocument/2006/relationships" xmlns:p="http://schemas.openxmlformats.org/presentationml/2006/main" showSpecialPlsOnTitleSld="0" saveSubsetFonts="1">
+<p:presentation xmlns:a="http://schemas.openxmlformats.org/drawingml/2006/main" xmlns:r="http://schemas.openxmlformats.org/officeDocument/2006/relationships" xmlns:p="http://schemas.openxmlformats.org/presentationml/2006/main" showSpecialPlsOnTitleSld="0">
   <p:sldMasterIdLst>
     <p:sldMasterId id="2147483648" r:id="rId1"/>
   </p:sldMasterIdLst>
   <p:notesMasterIdLst>
-    <p:notesMasterId r:id="rId3"/>
+    <p:notesMasterId r:id="rId4"/>
   </p:notesMasterIdLst>
   <p:sldIdLst>
-    <p:sldId id="275" r:id="rId2"/>
+    <p:sldId id="275" r:id="rId3"/>
   </p:sldIdLst>
   <p:sldSz cx="12192000" cy="6858000"/>
   <p:notesSz cx="6858000" cy="9144000"/>
@@ -107,11 +107,6 @@
       </a:defRPr>
     </a:lvl9pPr>
   </p:defaultTextStyle>
-  <p:extLst>
-    <p:ext uri="{EFAFB233-063F-42B5-8137-9DF3F51BA10A}">
-      <p15:sldGuideLst xmlns:p15="http://schemas.microsoft.com/office/powerpoint/2012/main"/>
-    </p:ext>
-  </p:extLst>
 </p:presentation>
 </file>
 
@@ -197,7 +192,6 @@
           <a:p>
             <a:fld id="{CEAC6F9C-54C6-49B5-AADA-0BF09B693FAC}" type="datetimeFigureOut">
               <a:rPr lang="zh-CN" altLang="en-US" smtClean="0"/>
-              <a:t>2019/1/21</a:t>
             </a:fld>
             <a:endParaRPr lang="zh-CN" altLang="en-US"/>
           </a:p>
@@ -264,6 +258,7 @@
               <a:rPr lang="zh-CN" altLang="en-US"/>
               <a:t>单击此处编辑母版文本样式</a:t>
             </a:r>
+            <a:endParaRPr lang="zh-CN" altLang="en-US"/>
           </a:p>
           <a:p>
             <a:pPr lvl="1"/>
@@ -271,6 +266,7 @@
               <a:rPr lang="zh-CN" altLang="en-US"/>
               <a:t>第二级</a:t>
             </a:r>
+            <a:endParaRPr lang="zh-CN" altLang="en-US"/>
           </a:p>
           <a:p>
             <a:pPr lvl="2"/>
@@ -278,6 +274,7 @@
               <a:rPr lang="zh-CN" altLang="en-US"/>
               <a:t>第三级</a:t>
             </a:r>
+            <a:endParaRPr lang="zh-CN" altLang="en-US"/>
           </a:p>
           <a:p>
             <a:pPr lvl="3"/>
@@ -285,6 +282,7 @@
               <a:rPr lang="zh-CN" altLang="en-US"/>
               <a:t>第四级</a:t>
             </a:r>
+            <a:endParaRPr lang="zh-CN" altLang="en-US"/>
           </a:p>
           <a:p>
             <a:pPr lvl="4"/>
@@ -292,6 +290,7 @@
               <a:rPr lang="zh-CN" altLang="en-US"/>
               <a:t>第五级</a:t>
             </a:r>
+            <a:endParaRPr lang="zh-CN" altLang="en-US"/>
           </a:p>
         </p:txBody>
       </p:sp>
@@ -355,18 +354,12 @@
           <a:p>
             <a:fld id="{A330441B-6EF2-474E-8FE0-AD40F1AA5822}" type="slidenum">
               <a:rPr lang="zh-CN" altLang="en-US" smtClean="0"/>
-              <a:t>‹#›</a:t>
             </a:fld>
             <a:endParaRPr lang="zh-CN" altLang="en-US"/>
           </a:p>
         </p:txBody>
       </p:sp>
     </p:spTree>
-    <p:extLst>
-      <p:ext uri="{BB962C8B-B14F-4D97-AF65-F5344CB8AC3E}">
-        <p14:creationId xmlns:p14="http://schemas.microsoft.com/office/powerpoint/2010/main" val="1812591703"/>
-      </p:ext>
-    </p:extLst>
   </p:cSld>
   <p:clrMap bg1="lt1" tx1="dk1" bg2="lt2" tx2="dk2" accent1="accent1" accent2="accent2" accent3="accent3" accent4="accent4" accent5="accent5" accent6="accent6" hlink="hlink" folHlink="folHlink"/>
   <p:notesStyle>
@@ -522,7 +515,6 @@
               <a:buSzTx/>
               <a:buFontTx/>
               <a:buNone/>
-              <a:tabLst/>
               <a:defRPr/>
             </a:pPr>
             <a:endParaRPr lang="zh-CN" altLang="en-US" dirty="0"/>
@@ -546,18 +538,12 @@
           <a:p>
             <a:fld id="{A330441B-6EF2-474E-8FE0-AD40F1AA5822}" type="slidenum">
               <a:rPr lang="zh-CN" altLang="en-US" smtClean="0"/>
-              <a:t>1</a:t>
             </a:fld>
             <a:endParaRPr lang="zh-CN" altLang="en-US"/>
           </a:p>
         </p:txBody>
       </p:sp>
     </p:spTree>
-    <p:extLst>
-      <p:ext uri="{BB962C8B-B14F-4D97-AF65-F5344CB8AC3E}">
-        <p14:creationId xmlns:p14="http://schemas.microsoft.com/office/powerpoint/2010/main" val="3054628648"/>
-      </p:ext>
-    </p:extLst>
   </p:cSld>
   <p:clrMapOvr>
     <a:masterClrMapping/>
@@ -725,6 +711,7 @@
               <a:rPr lang="en-US" dirty="0"/>
               <a:t>PRESENTED BY XXX</a:t>
             </a:r>
+            <a:endParaRPr lang="en-US" dirty="0"/>
           </a:p>
           <a:p>
             <a:r>
@@ -738,9 +725,7 @@
       <p:pic>
         <p:nvPicPr>
           <p:cNvPr id="12" name="图片 11"/>
-          <p:cNvPicPr preferRelativeResize="0">
-            <a:picLocks/>
-          </p:cNvPicPr>
+          <p:cNvPicPr preferRelativeResize="0"/>
           <p:nvPr userDrawn="1"/>
         </p:nvPicPr>
         <p:blipFill>
@@ -796,11 +781,6 @@
         </p:spPr>
       </p:pic>
     </p:spTree>
-    <p:extLst>
-      <p:ext uri="{BB962C8B-B14F-4D97-AF65-F5344CB8AC3E}">
-        <p14:creationId xmlns:p14="http://schemas.microsoft.com/office/powerpoint/2010/main" val="1851520890"/>
-      </p:ext>
-    </p:extLst>
   </p:cSld>
   <p:clrMapOvr>
     <a:masterClrMapping/>
@@ -866,7 +846,6 @@
               <a:buSzTx/>
               <a:buFont typeface="Arial" panose="020B0604020202020204" pitchFamily="34" charset="0"/>
               <a:buNone/>
-              <a:tabLst/>
               <a:defRPr sz="2800" b="1">
                 <a:solidFill>
                   <a:schemeClr val="bg1"/>
@@ -1003,7 +982,6 @@
               <a:buSzTx/>
               <a:buFont typeface="Arial" panose="020B0604020202020204" pitchFamily="34" charset="0"/>
               <a:buNone/>
-              <a:tabLst/>
               <a:defRPr/>
             </a:pPr>
             <a:endParaRPr lang="en-US" altLang="zh-CN" dirty="0"/>
@@ -1053,9 +1031,6 @@
         </p:style>
         <p:txBody>
           <a:bodyPr rot="0" spcFirstLastPara="0" vertOverflow="overflow" horzOverflow="overflow" vert="horz" wrap="square" lIns="91440" tIns="45720" rIns="91440" bIns="45720" numCol="1" spcCol="0" rtlCol="0" fromWordArt="0" anchor="ctr" anchorCtr="0" forceAA="0" compatLnSpc="1">
-            <a:prstTxWarp prst="textNoShape">
-              <a:avLst/>
-            </a:prstTxWarp>
             <a:noAutofit/>
           </a:bodyPr>
           <a:lstStyle/>
@@ -1106,9 +1081,6 @@
         </p:style>
         <p:txBody>
           <a:bodyPr rot="0" spcFirstLastPara="0" vert="horz" wrap="square" lIns="91440" tIns="45720" rIns="91440" bIns="45720" numCol="1" spcCol="0" rtlCol="0" fromWordArt="0" anchor="ctr" anchorCtr="0" forceAA="0" compatLnSpc="1">
-            <a:prstTxWarp prst="textNoShape">
-              <a:avLst/>
-            </a:prstTxWarp>
             <a:noAutofit/>
           </a:bodyPr>
           <a:lstStyle>
@@ -1255,9 +1227,6 @@
         </p:style>
         <p:txBody>
           <a:bodyPr rot="0" spcFirstLastPara="0" vert="horz" wrap="square" lIns="91440" tIns="45720" rIns="91440" bIns="45720" numCol="1" spcCol="0" rtlCol="0" fromWordArt="0" anchor="ctr" anchorCtr="0" forceAA="0" compatLnSpc="1">
-            <a:prstTxWarp prst="textNoShape">
-              <a:avLst/>
-            </a:prstTxWarp>
             <a:noAutofit/>
           </a:bodyPr>
           <a:lstStyle>
@@ -1402,9 +1371,6 @@
         </p:style>
         <p:txBody>
           <a:bodyPr rot="0" spcFirstLastPara="0" vert="horz" wrap="square" lIns="91440" tIns="45720" rIns="91440" bIns="45720" numCol="1" spcCol="0" rtlCol="0" fromWordArt="0" anchor="ctr" anchorCtr="0" forceAA="0" compatLnSpc="1">
-            <a:prstTxWarp prst="textNoShape">
-              <a:avLst/>
-            </a:prstTxWarp>
             <a:noAutofit/>
           </a:bodyPr>
           <a:lstStyle>
@@ -1543,11 +1509,6 @@
         </p:spPr>
       </p:pic>
     </p:spTree>
-    <p:extLst>
-      <p:ext uri="{BB962C8B-B14F-4D97-AF65-F5344CB8AC3E}">
-        <p14:creationId xmlns:p14="http://schemas.microsoft.com/office/powerpoint/2010/main" val="2198737410"/>
-      </p:ext>
-    </p:extLst>
   </p:cSld>
   <p:clrMapOvr>
     <a:masterClrMapping/>
@@ -1919,7 +1880,6 @@
           <a:p>
             <a:fld id="{F88FF136-9C22-44BA-B2F5-08BB70E5607D}" type="datetime1">
               <a:rPr lang="zh-CN" altLang="en-US" smtClean="0"/>
-              <a:t>2019/1/21</a:t>
             </a:fld>
             <a:endParaRPr lang="zh-CN" altLang="en-US"/>
           </a:p>
@@ -1965,7 +1925,6 @@
           <a:p>
             <a:fld id="{185A3410-138A-4164-94F7-1517AFAAB4EA}" type="slidenum">
               <a:rPr lang="zh-CN" altLang="en-US" smtClean="0"/>
-              <a:t>‹#›</a:t>
             </a:fld>
             <a:endParaRPr lang="zh-CN" altLang="en-US"/>
           </a:p>
@@ -1988,7 +1947,9 @@
             </a:extLst>
           </a:blip>
           <a:srcRect t="12679"/>
-          <a:stretch/>
+          <a:stretch>
+            <a:fillRect/>
+          </a:stretch>
         </p:blipFill>
         <p:spPr bwMode="auto">
           <a:xfrm>
@@ -2054,11 +2015,6 @@
         </p:spPr>
       </p:pic>
     </p:spTree>
-    <p:extLst>
-      <p:ext uri="{BB962C8B-B14F-4D97-AF65-F5344CB8AC3E}">
-        <p14:creationId xmlns:p14="http://schemas.microsoft.com/office/powerpoint/2010/main" val="3930059990"/>
-      </p:ext>
-    </p:extLst>
   </p:cSld>
   <p:clrMapOvr>
     <a:masterClrMapping/>
@@ -2120,6 +2076,7 @@
               <a:rPr lang="zh-CN" altLang="en-US" dirty="0"/>
               <a:t>单击此处编辑母版标题样式</a:t>
             </a:r>
+            <a:endParaRPr lang="zh-CN" altLang="en-US" dirty="0"/>
           </a:p>
         </p:txBody>
       </p:sp>
@@ -2263,6 +2220,7 @@
               <a:rPr lang="zh-CN" altLang="en-US" dirty="0"/>
               <a:t>第二级 </a:t>
             </a:r>
+            <a:endParaRPr lang="zh-CN" altLang="en-US" dirty="0"/>
           </a:p>
           <a:p>
             <a:pPr lvl="2"/>
@@ -2270,6 +2228,7 @@
               <a:rPr lang="zh-CN" altLang="en-US" dirty="0"/>
               <a:t>第三级</a:t>
             </a:r>
+            <a:endParaRPr lang="zh-CN" altLang="en-US" dirty="0"/>
           </a:p>
           <a:p>
             <a:pPr lvl="3"/>
@@ -2277,6 +2236,7 @@
               <a:rPr lang="zh-CN" altLang="en-US" dirty="0"/>
               <a:t>第四级</a:t>
             </a:r>
+            <a:endParaRPr lang="zh-CN" altLang="en-US" dirty="0"/>
           </a:p>
           <a:p>
             <a:pPr lvl="4"/>
@@ -2284,6 +2244,7 @@
               <a:rPr lang="zh-CN" altLang="en-US" dirty="0"/>
               <a:t>第五级</a:t>
             </a:r>
+            <a:endParaRPr lang="zh-CN" altLang="en-US" dirty="0"/>
           </a:p>
         </p:txBody>
       </p:sp>
@@ -2312,7 +2273,6 @@
           <a:p>
             <a:fld id="{433AE153-F5F8-483C-9C56-FE77F58F0011}" type="datetime1">
               <a:rPr lang="zh-CN" altLang="en-US" smtClean="0"/>
-              <a:t>2019/1/21</a:t>
             </a:fld>
             <a:endParaRPr lang="zh-CN" altLang="en-US" dirty="0"/>
           </a:p>
@@ -2374,8 +2334,6 @@
           <a:p>
             <a:fld id="{185A3410-138A-4164-94F7-1517AFAAB4EA}" type="slidenum">
               <a:rPr lang="zh-CN" altLang="en-US" smtClean="0"/>
-              <a:pPr/>
-              <a:t>‹#›</a:t>
             </a:fld>
             <a:endParaRPr lang="zh-CN" altLang="en-US" dirty="0"/>
           </a:p>
@@ -2412,11 +2370,6 @@
         </p:spPr>
       </p:pic>
     </p:spTree>
-    <p:extLst>
-      <p:ext uri="{BB962C8B-B14F-4D97-AF65-F5344CB8AC3E}">
-        <p14:creationId xmlns:p14="http://schemas.microsoft.com/office/powerpoint/2010/main" val="73729954"/>
-      </p:ext>
-    </p:extLst>
   </p:cSld>
   <p:clrMapOvr>
     <a:masterClrMapping/>
@@ -2480,9 +2433,6 @@
         </p:style>
         <p:txBody>
           <a:bodyPr rot="0" spcFirstLastPara="0" vertOverflow="overflow" horzOverflow="overflow" vert="horz" wrap="square" lIns="91440" tIns="45720" rIns="91440" bIns="45720" numCol="1" spcCol="0" rtlCol="0" fromWordArt="0" anchor="ctr" anchorCtr="0" forceAA="0" compatLnSpc="1">
-            <a:prstTxWarp prst="textNoShape">
-              <a:avLst/>
-            </a:prstTxWarp>
             <a:noAutofit/>
           </a:bodyPr>
           <a:lstStyle/>
@@ -2529,6 +2479,7 @@
               <a:rPr lang="zh-CN" altLang="en-US" dirty="0"/>
               <a:t>单击此处编辑母版标题样式</a:t>
             </a:r>
+            <a:endParaRPr lang="zh-CN" altLang="en-US" dirty="0"/>
           </a:p>
         </p:txBody>
       </p:sp>
@@ -2672,6 +2623,7 @@
               <a:rPr lang="zh-CN" altLang="en-US" dirty="0"/>
               <a:t>第二级 </a:t>
             </a:r>
+            <a:endParaRPr lang="zh-CN" altLang="en-US" dirty="0"/>
           </a:p>
           <a:p>
             <a:pPr lvl="2"/>
@@ -2679,6 +2631,7 @@
               <a:rPr lang="zh-CN" altLang="en-US" dirty="0"/>
               <a:t>第三级</a:t>
             </a:r>
+            <a:endParaRPr lang="zh-CN" altLang="en-US" dirty="0"/>
           </a:p>
           <a:p>
             <a:pPr lvl="3"/>
@@ -2686,6 +2639,7 @@
               <a:rPr lang="zh-CN" altLang="en-US" dirty="0"/>
               <a:t>第四级</a:t>
             </a:r>
+            <a:endParaRPr lang="zh-CN" altLang="en-US" dirty="0"/>
           </a:p>
           <a:p>
             <a:pPr lvl="4"/>
@@ -2693,6 +2647,7 @@
               <a:rPr lang="zh-CN" altLang="en-US" dirty="0"/>
               <a:t>第五级</a:t>
             </a:r>
+            <a:endParaRPr lang="zh-CN" altLang="en-US" dirty="0"/>
           </a:p>
         </p:txBody>
       </p:sp>
@@ -2721,7 +2676,6 @@
           <a:p>
             <a:fld id="{4610AA94-52A6-43E1-8288-0C58EAF4ECAF}" type="datetime1">
               <a:rPr lang="zh-CN" altLang="en-US" smtClean="0"/>
-              <a:t>2019/1/21</a:t>
             </a:fld>
             <a:endParaRPr lang="zh-CN" altLang="en-US" dirty="0"/>
           </a:p>
@@ -2783,8 +2737,6 @@
           <a:p>
             <a:fld id="{185A3410-138A-4164-94F7-1517AFAAB4EA}" type="slidenum">
               <a:rPr lang="zh-CN" altLang="en-US" smtClean="0"/>
-              <a:pPr/>
-              <a:t>‹#›</a:t>
             </a:fld>
             <a:endParaRPr lang="zh-CN" altLang="en-US" dirty="0"/>
           </a:p>
@@ -2821,11 +2773,6 @@
         </p:spPr>
       </p:pic>
     </p:spTree>
-    <p:extLst>
-      <p:ext uri="{BB962C8B-B14F-4D97-AF65-F5344CB8AC3E}">
-        <p14:creationId xmlns:p14="http://schemas.microsoft.com/office/powerpoint/2010/main" val="1306871154"/>
-      </p:ext>
-    </p:extLst>
   </p:cSld>
   <p:clrMapOvr>
     <a:masterClrMapping/>
@@ -2887,6 +2834,7 @@
               <a:rPr lang="zh-CN" altLang="en-US" dirty="0"/>
               <a:t>单击此处编辑母版标题样式</a:t>
             </a:r>
+            <a:endParaRPr lang="zh-CN" altLang="en-US" dirty="0"/>
           </a:p>
         </p:txBody>
       </p:sp>
@@ -3030,6 +2978,7 @@
               <a:rPr lang="zh-CN" altLang="en-US" dirty="0"/>
               <a:t>第二级 </a:t>
             </a:r>
+            <a:endParaRPr lang="zh-CN" altLang="en-US" dirty="0"/>
           </a:p>
           <a:p>
             <a:pPr lvl="2"/>
@@ -3037,6 +2986,7 @@
               <a:rPr lang="zh-CN" altLang="en-US" dirty="0"/>
               <a:t>第三级</a:t>
             </a:r>
+            <a:endParaRPr lang="zh-CN" altLang="en-US" dirty="0"/>
           </a:p>
           <a:p>
             <a:pPr lvl="3"/>
@@ -3044,6 +2994,7 @@
               <a:rPr lang="zh-CN" altLang="en-US" dirty="0"/>
               <a:t>第四级</a:t>
             </a:r>
+            <a:endParaRPr lang="zh-CN" altLang="en-US" dirty="0"/>
           </a:p>
           <a:p>
             <a:pPr lvl="4"/>
@@ -3051,6 +3002,7 @@
               <a:rPr lang="zh-CN" altLang="en-US" dirty="0"/>
               <a:t>第五级</a:t>
             </a:r>
+            <a:endParaRPr lang="zh-CN" altLang="en-US" dirty="0"/>
           </a:p>
         </p:txBody>
       </p:sp>
@@ -3079,7 +3031,6 @@
           <a:p>
             <a:fld id="{290F429F-88F4-4D1B-A484-67791778344E}" type="datetime1">
               <a:rPr lang="zh-CN" altLang="en-US" smtClean="0"/>
-              <a:t>2019/1/21</a:t>
             </a:fld>
             <a:endParaRPr lang="zh-CN" altLang="en-US" dirty="0"/>
           </a:p>
@@ -3141,8 +3092,6 @@
           <a:p>
             <a:fld id="{185A3410-138A-4164-94F7-1517AFAAB4EA}" type="slidenum">
               <a:rPr lang="zh-CN" altLang="en-US" smtClean="0"/>
-              <a:pPr/>
-              <a:t>‹#›</a:t>
             </a:fld>
             <a:endParaRPr lang="zh-CN" altLang="en-US" dirty="0"/>
           </a:p>
@@ -3151,9 +3100,7 @@
       <p:pic>
         <p:nvPicPr>
           <p:cNvPr id="7" name="图片 6"/>
-          <p:cNvPicPr preferRelativeResize="0">
-            <a:picLocks/>
-          </p:cNvPicPr>
+          <p:cNvPicPr preferRelativeResize="0"/>
           <p:nvPr userDrawn="1"/>
         </p:nvPicPr>
         <p:blipFill>
@@ -3209,11 +3156,6 @@
         </p:spPr>
       </p:pic>
     </p:spTree>
-    <p:extLst>
-      <p:ext uri="{BB962C8B-B14F-4D97-AF65-F5344CB8AC3E}">
-        <p14:creationId xmlns:p14="http://schemas.microsoft.com/office/powerpoint/2010/main" val="1794181315"/>
-      </p:ext>
-    </p:extLst>
   </p:cSld>
   <p:clrMapOvr>
     <a:masterClrMapping/>
@@ -3368,6 +3310,7 @@
               <a:rPr lang="zh-CN" altLang="en-US" dirty="0"/>
               <a:t>单击此处编辑母版文本样式</a:t>
             </a:r>
+            <a:endParaRPr lang="zh-CN" altLang="en-US" dirty="0"/>
           </a:p>
           <a:p>
             <a:pPr lvl="1"/>
@@ -3375,6 +3318,7 @@
               <a:rPr lang="zh-CN" altLang="en-US" dirty="0"/>
               <a:t>第二级</a:t>
             </a:r>
+            <a:endParaRPr lang="zh-CN" altLang="en-US" dirty="0"/>
           </a:p>
           <a:p>
             <a:pPr lvl="2"/>
@@ -3382,6 +3326,7 @@
               <a:rPr lang="zh-CN" altLang="en-US" dirty="0"/>
               <a:t>第三级</a:t>
             </a:r>
+            <a:endParaRPr lang="zh-CN" altLang="en-US" dirty="0"/>
           </a:p>
           <a:p>
             <a:pPr lvl="3"/>
@@ -3389,6 +3334,7 @@
               <a:rPr lang="zh-CN" altLang="en-US" dirty="0"/>
               <a:t>第四级</a:t>
             </a:r>
+            <a:endParaRPr lang="zh-CN" altLang="en-US" dirty="0"/>
           </a:p>
           <a:p>
             <a:pPr lvl="4"/>
@@ -3396,6 +3342,7 @@
               <a:rPr lang="zh-CN" altLang="en-US" dirty="0"/>
               <a:t>第五级</a:t>
             </a:r>
+            <a:endParaRPr lang="zh-CN" altLang="en-US" dirty="0"/>
           </a:p>
         </p:txBody>
       </p:sp>
@@ -3428,7 +3375,6 @@
           <a:p>
             <a:fld id="{6B58AD4D-EB89-4E3D-9F3C-023A91A47F83}" type="datetime1">
               <a:rPr lang="zh-CN" altLang="en-US" smtClean="0"/>
-              <a:t>2019/1/21</a:t>
             </a:fld>
             <a:endParaRPr lang="zh-CN" altLang="en-US"/>
           </a:p>
@@ -3465,6 +3411,7 @@
               <a:rPr lang="en-US" altLang="zh-CN" dirty="0"/>
               <a:t>CQYFAS COMPANY PROFILE</a:t>
             </a:r>
+            <a:endParaRPr lang="en-US" altLang="zh-CN" dirty="0"/>
           </a:p>
         </p:txBody>
       </p:sp>
@@ -3497,8 +3444,6 @@
           <a:p>
             <a:fld id="{185A3410-138A-4164-94F7-1517AFAAB4EA}" type="slidenum">
               <a:rPr lang="zh-CN" altLang="en-US" smtClean="0"/>
-              <a:pPr/>
-              <a:t>‹#›</a:t>
             </a:fld>
             <a:endParaRPr lang="zh-CN" altLang="en-US"/>
           </a:p>
@@ -3507,9 +3452,7 @@
       <p:pic>
         <p:nvPicPr>
           <p:cNvPr id="11" name="图片 10"/>
-          <p:cNvPicPr preferRelativeResize="0">
-            <a:picLocks/>
-          </p:cNvPicPr>
+          <p:cNvPicPr preferRelativeResize="0"/>
           <p:nvPr userDrawn="1"/>
         </p:nvPicPr>
         <p:blipFill>
@@ -3565,11 +3508,6 @@
         </p:spPr>
       </p:pic>
     </p:spTree>
-    <p:extLst>
-      <p:ext uri="{BB962C8B-B14F-4D97-AF65-F5344CB8AC3E}">
-        <p14:creationId xmlns:p14="http://schemas.microsoft.com/office/powerpoint/2010/main" val="3399350560"/>
-      </p:ext>
-    </p:extLst>
   </p:cSld>
   <p:clrMapOvr>
     <a:masterClrMapping/>
@@ -3724,6 +3662,7 @@
               <a:rPr lang="zh-CN" altLang="en-US" dirty="0"/>
               <a:t>单击此处编辑母版文本样式</a:t>
             </a:r>
+            <a:endParaRPr lang="zh-CN" altLang="en-US" dirty="0"/>
           </a:p>
           <a:p>
             <a:pPr lvl="1"/>
@@ -3731,6 +3670,7 @@
               <a:rPr lang="zh-CN" altLang="en-US" dirty="0"/>
               <a:t>第二级</a:t>
             </a:r>
+            <a:endParaRPr lang="zh-CN" altLang="en-US" dirty="0"/>
           </a:p>
           <a:p>
             <a:pPr lvl="2"/>
@@ -3738,6 +3678,7 @@
               <a:rPr lang="zh-CN" altLang="en-US" dirty="0"/>
               <a:t>第三级</a:t>
             </a:r>
+            <a:endParaRPr lang="zh-CN" altLang="en-US" dirty="0"/>
           </a:p>
           <a:p>
             <a:pPr lvl="3"/>
@@ -3745,6 +3686,7 @@
               <a:rPr lang="zh-CN" altLang="en-US" dirty="0"/>
               <a:t>第四级</a:t>
             </a:r>
+            <a:endParaRPr lang="zh-CN" altLang="en-US" dirty="0"/>
           </a:p>
           <a:p>
             <a:pPr lvl="4"/>
@@ -3752,6 +3694,7 @@
               <a:rPr lang="zh-CN" altLang="en-US" dirty="0"/>
               <a:t>第五级</a:t>
             </a:r>
+            <a:endParaRPr lang="zh-CN" altLang="en-US" dirty="0"/>
           </a:p>
         </p:txBody>
       </p:sp>
@@ -3784,7 +3727,6 @@
           <a:p>
             <a:fld id="{BB7332D9-D73E-4A46-A526-99B3739B1617}" type="datetime1">
               <a:rPr lang="zh-CN" altLang="en-US" smtClean="0"/>
-              <a:t>2019/1/21</a:t>
             </a:fld>
             <a:endParaRPr lang="zh-CN" altLang="en-US"/>
           </a:p>
@@ -3821,6 +3763,7 @@
               <a:rPr lang="en-US" altLang="zh-CN" dirty="0"/>
               <a:t>CQYFAS COMPANY PROFILE</a:t>
             </a:r>
+            <a:endParaRPr lang="en-US" altLang="zh-CN" dirty="0"/>
           </a:p>
         </p:txBody>
       </p:sp>
@@ -3853,8 +3796,6 @@
           <a:p>
             <a:fld id="{185A3410-138A-4164-94F7-1517AFAAB4EA}" type="slidenum">
               <a:rPr lang="zh-CN" altLang="en-US" smtClean="0"/>
-              <a:pPr/>
-              <a:t>‹#›</a:t>
             </a:fld>
             <a:endParaRPr lang="zh-CN" altLang="en-US"/>
           </a:p>
@@ -3863,9 +3804,7 @@
       <p:pic>
         <p:nvPicPr>
           <p:cNvPr id="11" name="图片 10"/>
-          <p:cNvPicPr preferRelativeResize="0">
-            <a:picLocks/>
-          </p:cNvPicPr>
+          <p:cNvPicPr preferRelativeResize="0"/>
           <p:nvPr userDrawn="1"/>
         </p:nvPicPr>
         <p:blipFill>
@@ -3964,6 +3903,7 @@
               <a:rPr lang="zh-CN" altLang="en-US" dirty="0"/>
               <a:t>单击此处编辑母版文本样式</a:t>
             </a:r>
+            <a:endParaRPr lang="zh-CN" altLang="en-US" dirty="0"/>
           </a:p>
           <a:p>
             <a:pPr lvl="1"/>
@@ -3971,6 +3911,7 @@
               <a:rPr lang="zh-CN" altLang="en-US" dirty="0"/>
               <a:t>第二级</a:t>
             </a:r>
+            <a:endParaRPr lang="zh-CN" altLang="en-US" dirty="0"/>
           </a:p>
           <a:p>
             <a:pPr lvl="2"/>
@@ -3978,6 +3919,7 @@
               <a:rPr lang="zh-CN" altLang="en-US" dirty="0"/>
               <a:t>第三级</a:t>
             </a:r>
+            <a:endParaRPr lang="zh-CN" altLang="en-US" dirty="0"/>
           </a:p>
           <a:p>
             <a:pPr lvl="3"/>
@@ -3985,6 +3927,7 @@
               <a:rPr lang="zh-CN" altLang="en-US" dirty="0"/>
               <a:t>第四级</a:t>
             </a:r>
+            <a:endParaRPr lang="zh-CN" altLang="en-US" dirty="0"/>
           </a:p>
           <a:p>
             <a:pPr lvl="4"/>
@@ -3992,6 +3935,7 @@
               <a:rPr lang="zh-CN" altLang="en-US" dirty="0"/>
               <a:t>第五级</a:t>
             </a:r>
+            <a:endParaRPr lang="zh-CN" altLang="en-US" dirty="0"/>
           </a:p>
         </p:txBody>
       </p:sp>
@@ -4026,11 +3970,6 @@
         </p:spPr>
       </p:pic>
     </p:spTree>
-    <p:extLst>
-      <p:ext uri="{BB962C8B-B14F-4D97-AF65-F5344CB8AC3E}">
-        <p14:creationId xmlns:p14="http://schemas.microsoft.com/office/powerpoint/2010/main" val="3517009593"/>
-      </p:ext>
-    </p:extLst>
   </p:cSld>
   <p:clrMapOvr>
     <a:masterClrMapping/>
@@ -4089,6 +4028,7 @@
               <a:rPr lang="zh-CN" altLang="en-US"/>
               <a:t>单击此处编辑母版标题样式</a:t>
             </a:r>
+            <a:endParaRPr lang="zh-CN" altLang="en-US"/>
           </a:p>
         </p:txBody>
       </p:sp>
@@ -4122,6 +4062,7 @@
               <a:rPr lang="zh-CN" altLang="en-US" dirty="0"/>
               <a:t>单击此处编辑母版文本样式</a:t>
             </a:r>
+            <a:endParaRPr lang="zh-CN" altLang="en-US" dirty="0"/>
           </a:p>
           <a:p>
             <a:pPr lvl="1"/>
@@ -4129,6 +4070,7 @@
               <a:rPr lang="zh-CN" altLang="en-US" dirty="0"/>
               <a:t>第二级</a:t>
             </a:r>
+            <a:endParaRPr lang="zh-CN" altLang="en-US" dirty="0"/>
           </a:p>
           <a:p>
             <a:pPr lvl="2"/>
@@ -4136,6 +4078,7 @@
               <a:rPr lang="zh-CN" altLang="en-US" dirty="0"/>
               <a:t>第三级</a:t>
             </a:r>
+            <a:endParaRPr lang="zh-CN" altLang="en-US" dirty="0"/>
           </a:p>
           <a:p>
             <a:pPr lvl="3"/>
@@ -4143,6 +4086,7 @@
               <a:rPr lang="zh-CN" altLang="en-US" dirty="0"/>
               <a:t>第四级</a:t>
             </a:r>
+            <a:endParaRPr lang="zh-CN" altLang="en-US" dirty="0"/>
           </a:p>
           <a:p>
             <a:pPr lvl="4"/>
@@ -4150,6 +4094,7 @@
               <a:rPr lang="zh-CN" altLang="en-US" dirty="0"/>
               <a:t>第五级</a:t>
             </a:r>
+            <a:endParaRPr lang="zh-CN" altLang="en-US" dirty="0"/>
           </a:p>
         </p:txBody>
       </p:sp>
@@ -4188,7 +4133,6 @@
           <a:p>
             <a:fld id="{21A2E084-91F1-4B4E-AF37-F12DC6E8312C}" type="datetime1">
               <a:rPr lang="zh-CN" altLang="en-US" smtClean="0"/>
-              <a:t>2019/1/21</a:t>
             </a:fld>
             <a:endParaRPr lang="zh-CN" altLang="en-US"/>
           </a:p>
@@ -4270,29 +4214,23 @@
           <a:p>
             <a:fld id="{185A3410-138A-4164-94F7-1517AFAAB4EA}" type="slidenum">
               <a:rPr lang="zh-CN" altLang="en-US" smtClean="0"/>
-              <a:t>‹#›</a:t>
             </a:fld>
             <a:endParaRPr lang="zh-CN" altLang="en-US"/>
           </a:p>
         </p:txBody>
       </p:sp>
     </p:spTree>
-    <p:extLst>
-      <p:ext uri="{BB962C8B-B14F-4D97-AF65-F5344CB8AC3E}">
-        <p14:creationId xmlns:p14="http://schemas.microsoft.com/office/powerpoint/2010/main" val="139894707"/>
-      </p:ext>
-    </p:extLst>
   </p:cSld>
   <p:clrMap bg1="lt1" tx1="dk1" bg2="lt2" tx2="dk2" accent1="accent1" accent2="accent2" accent3="accent3" accent4="accent4" accent5="accent5" accent6="accent6" hlink="hlink" folHlink="folHlink"/>
   <p:sldLayoutIdLst>
     <p:sldLayoutId id="2147483649" r:id="rId1"/>
-    <p:sldLayoutId id="2147483651" r:id="rId2"/>
-    <p:sldLayoutId id="2147483660" r:id="rId3"/>
-    <p:sldLayoutId id="2147483650" r:id="rId4"/>
-    <p:sldLayoutId id="2147483664" r:id="rId5"/>
-    <p:sldLayoutId id="2147483662" r:id="rId6"/>
-    <p:sldLayoutId id="2147483652" r:id="rId7"/>
-    <p:sldLayoutId id="2147483661" r:id="rId8"/>
+    <p:sldLayoutId id="2147483650" r:id="rId2"/>
+    <p:sldLayoutId id="2147483651" r:id="rId3"/>
+    <p:sldLayoutId id="2147483652" r:id="rId4"/>
+    <p:sldLayoutId id="2147483653" r:id="rId5"/>
+    <p:sldLayoutId id="2147483654" r:id="rId6"/>
+    <p:sldLayoutId id="2147483655" r:id="rId7"/>
+    <p:sldLayoutId id="2147483656" r:id="rId8"/>
   </p:sldLayoutIdLst>
   <p:hf hdr="0"/>
   <p:txStyles>
@@ -4639,7 +4577,6 @@
           <a:p>
             <a:fld id="{18BFE1A7-65CF-4C5C-898B-F9A12B92AFD0}" type="datetime1">
               <a:rPr lang="zh-CN" altLang="en-US" smtClean="0"/>
-              <a:t>2019/1/21</a:t>
             </a:fld>
             <a:endParaRPr lang="zh-CN" altLang="en-US" dirty="0"/>
           </a:p>
@@ -4690,8 +4627,6 @@
           <a:p>
             <a:fld id="{185A3410-138A-4164-94F7-1517AFAAB4EA}" type="slidenum">
               <a:rPr lang="zh-CN" altLang="en-US" smtClean="0"/>
-              <a:pPr/>
-              <a:t>1</a:t>
             </a:fld>
             <a:endParaRPr lang="zh-CN" altLang="en-US" dirty="0"/>
           </a:p>
@@ -4706,7 +4641,7 @@
           <p:nvPr/>
         </p:nvPicPr>
         <p:blipFill rotWithShape="1">
-          <a:blip r:embed="rId3" cstate="print">
+          <a:blip r:embed="rId1" cstate="print">
             <a:extLst>
               <a:ext uri="{28A0092B-C50C-407E-A947-70E740481C1C}">
                 <a14:useLocalDpi xmlns:a14="http://schemas.microsoft.com/office/drawing/2010/main" val="0"/>
@@ -4714,7 +4649,9 @@
             </a:extLst>
           </a:blip>
           <a:srcRect l="18139" t="4821" r="18596" b="45902"/>
-          <a:stretch/>
+          <a:stretch>
+            <a:fillRect/>
+          </a:stretch>
         </p:blipFill>
         <p:spPr>
           <a:xfrm>
@@ -4735,7 +4672,7 @@
           <p:nvPr/>
         </p:nvPicPr>
         <p:blipFill rotWithShape="1">
-          <a:blip r:embed="rId4">
+          <a:blip r:embed="rId2">
             <a:extLst>
               <a:ext uri="{28A0092B-C50C-407E-A947-70E740481C1C}">
                 <a14:useLocalDpi xmlns:a14="http://schemas.microsoft.com/office/drawing/2010/main" val="0"/>
@@ -4743,7 +4680,9 @@
             </a:extLst>
           </a:blip>
           <a:srcRect b="85087"/>
-          <a:stretch/>
+          <a:stretch>
+            <a:fillRect/>
+          </a:stretch>
         </p:blipFill>
         <p:spPr>
           <a:xfrm>
@@ -4764,7 +4703,7 @@
           <p:nvPr/>
         </p:nvPicPr>
         <p:blipFill>
-          <a:blip r:embed="rId5">
+          <a:blip r:embed="rId3">
             <a:extLst>
               <a:ext uri="{28A0092B-C50C-407E-A947-70E740481C1C}">
                 <a14:useLocalDpi xmlns:a14="http://schemas.microsoft.com/office/drawing/2010/main" val="0"/>
@@ -4794,7 +4733,7 @@
           <p:nvPr/>
         </p:nvPicPr>
         <p:blipFill rotWithShape="1">
-          <a:blip r:embed="rId6" cstate="print">
+          <a:blip r:embed="rId4" cstate="print">
             <a:extLst>
               <a:ext uri="{28A0092B-C50C-407E-A947-70E740481C1C}">
                 <a14:useLocalDpi xmlns:a14="http://schemas.microsoft.com/office/drawing/2010/main" val="0"/>
@@ -4802,7 +4741,9 @@
             </a:extLst>
           </a:blip>
           <a:srcRect l="10643" r="13441" b="59369"/>
-          <a:stretch/>
+          <a:stretch>
+            <a:fillRect/>
+          </a:stretch>
         </p:blipFill>
         <p:spPr>
           <a:xfrm>
@@ -4823,7 +4764,7 @@
           <p:nvPr/>
         </p:nvPicPr>
         <p:blipFill>
-          <a:blip r:embed="rId7"/>
+          <a:blip r:embed="rId5"/>
           <a:stretch>
             <a:fillRect/>
           </a:stretch>
@@ -4847,13 +4788,15 @@
           <p:nvPr/>
         </p:nvPicPr>
         <p:blipFill rotWithShape="1">
-          <a:blip r:embed="rId8"/>
+          <a:blip r:embed="rId6"/>
           <a:srcRect l="22615" t="3006" r="19811" b="9849"/>
-          <a:stretch/>
+          <a:stretch>
+            <a:fillRect/>
+          </a:stretch>
         </p:blipFill>
         <p:spPr>
           <a:xfrm>
-            <a:off x="6701869" y="4515778"/>
+            <a:off x="6701234" y="4515778"/>
             <a:ext cx="920613" cy="895787"/>
           </a:xfrm>
           <a:prstGeom prst="rect">
@@ -4864,6 +4807,67 @@
       <p:pic>
         <p:nvPicPr>
           <p:cNvPr id="62" name="图片 61"/>
+          <p:cNvPicPr>
+            <a:picLocks noChangeAspect="1"/>
+          </p:cNvPicPr>
+          <p:nvPr/>
+        </p:nvPicPr>
+        <p:blipFill rotWithShape="1">
+          <a:blip r:embed="rId7" cstate="print">
+            <a:extLst>
+              <a:ext uri="{28A0092B-C50C-407E-A947-70E740481C1C}">
+                <a14:useLocalDpi xmlns:a14="http://schemas.microsoft.com/office/drawing/2010/main" val="0"/>
+              </a:ext>
+            </a:extLst>
+          </a:blip>
+          <a:srcRect b="38305"/>
+          <a:stretch>
+            <a:fillRect/>
+          </a:stretch>
+        </p:blipFill>
+        <p:spPr>
+          <a:xfrm>
+            <a:off x="7742227" y="4619403"/>
+            <a:ext cx="1152926" cy="688536"/>
+          </a:xfrm>
+          <a:prstGeom prst="rect">
+            <a:avLst/>
+          </a:prstGeom>
+        </p:spPr>
+      </p:pic>
+      <p:pic>
+        <p:nvPicPr>
+          <p:cNvPr id="63" name="图片 62"/>
+          <p:cNvPicPr>
+            <a:picLocks noChangeAspect="1"/>
+          </p:cNvPicPr>
+          <p:nvPr/>
+        </p:nvPicPr>
+        <p:blipFill>
+          <a:blip r:embed="rId8" cstate="print">
+            <a:extLst>
+              <a:ext uri="{28A0092B-C50C-407E-A947-70E740481C1C}">
+                <a14:useLocalDpi xmlns:a14="http://schemas.microsoft.com/office/drawing/2010/main" val="0"/>
+              </a:ext>
+            </a:extLst>
+          </a:blip>
+          <a:stretch>
+            <a:fillRect/>
+          </a:stretch>
+        </p:blipFill>
+        <p:spPr>
+          <a:xfrm>
+            <a:off x="3657466" y="3631008"/>
+            <a:ext cx="988542" cy="634537"/>
+          </a:xfrm>
+          <a:prstGeom prst="rect">
+            <a:avLst/>
+          </a:prstGeom>
+        </p:spPr>
+      </p:pic>
+      <p:pic>
+        <p:nvPicPr>
+          <p:cNvPr id="65" name="图片 64"/>
           <p:cNvPicPr>
             <a:picLocks noChangeAspect="1"/>
           </p:cNvPicPr>
@@ -4877,13 +4881,15 @@
               </a:ext>
             </a:extLst>
           </a:blip>
-          <a:srcRect b="38305"/>
-          <a:stretch/>
+          <a:srcRect l="9707" t="9560" r="10774" b="5032"/>
+          <a:stretch>
+            <a:fillRect/>
+          </a:stretch>
         </p:blipFill>
         <p:spPr>
           <a:xfrm>
-            <a:off x="7742227" y="4619403"/>
-            <a:ext cx="1152926" cy="688536"/>
+            <a:off x="7794701" y="3554313"/>
+            <a:ext cx="979397" cy="787927"/>
           </a:xfrm>
           <a:prstGeom prst="rect">
             <a:avLst/>
@@ -4892,13 +4898,13 @@
       </p:pic>
       <p:pic>
         <p:nvPicPr>
-          <p:cNvPr id="63" name="图片 62"/>
+          <p:cNvPr id="66" name="图片 65"/>
           <p:cNvPicPr>
             <a:picLocks noChangeAspect="1"/>
           </p:cNvPicPr>
           <p:nvPr/>
         </p:nvPicPr>
-        <p:blipFill>
+        <p:blipFill rotWithShape="1">
           <a:blip r:embed="rId10" cstate="print">
             <a:extLst>
               <a:ext uri="{28A0092B-C50C-407E-A947-70E740481C1C}">
@@ -4906,14 +4912,15 @@
               </a:ext>
             </a:extLst>
           </a:blip>
+          <a:srcRect l="17494" r="17424"/>
           <a:stretch>
             <a:fillRect/>
           </a:stretch>
         </p:blipFill>
         <p:spPr>
           <a:xfrm>
-            <a:off x="3657466" y="3631008"/>
-            <a:ext cx="988542" cy="634537"/>
+            <a:off x="9022262" y="3554313"/>
+            <a:ext cx="908657" cy="787927"/>
           </a:xfrm>
           <a:prstGeom prst="rect">
             <a:avLst/>
@@ -4922,7 +4929,7 @@
       </p:pic>
       <p:pic>
         <p:nvPicPr>
-          <p:cNvPr id="65" name="图片 64"/>
+          <p:cNvPr id="48" name="图片 47"/>
           <p:cNvPicPr>
             <a:picLocks noChangeAspect="1"/>
           </p:cNvPicPr>
@@ -4936,28 +4943,33 @@
               </a:ext>
             </a:extLst>
           </a:blip>
-          <a:srcRect l="9707" t="9560" r="10774" b="5032"/>
-          <a:stretch/>
+          <a:srcRect l="17827" t="16154" r="19507" b="10146"/>
+          <a:stretch>
+            <a:fillRect/>
+          </a:stretch>
         </p:blipFill>
         <p:spPr>
           <a:xfrm>
-            <a:off x="7794701" y="3554313"/>
-            <a:ext cx="979397" cy="787927"/>
+            <a:off x="8940704" y="1701365"/>
+            <a:ext cx="990215" cy="552235"/>
           </a:xfrm>
           <a:prstGeom prst="rect">
             <a:avLst/>
           </a:prstGeom>
+          <a:ln>
+            <a:noFill/>
+          </a:ln>
         </p:spPr>
       </p:pic>
       <p:pic>
         <p:nvPicPr>
-          <p:cNvPr id="66" name="图片 65"/>
+          <p:cNvPr id="52" name="图片 51"/>
           <p:cNvPicPr>
             <a:picLocks noChangeAspect="1"/>
           </p:cNvPicPr>
           <p:nvPr/>
         </p:nvPicPr>
-        <p:blipFill rotWithShape="1">
+        <p:blipFill>
           <a:blip r:embed="rId12" cstate="print">
             <a:extLst>
               <a:ext uri="{28A0092B-C50C-407E-A947-70E740481C1C}">
@@ -4965,13 +4977,14 @@
               </a:ext>
             </a:extLst>
           </a:blip>
-          <a:srcRect l="17494" r="17424"/>
-          <a:stretch/>
+          <a:stretch>
+            <a:fillRect/>
+          </a:stretch>
         </p:blipFill>
         <p:spPr>
           <a:xfrm>
-            <a:off x="9022262" y="3554313"/>
-            <a:ext cx="908657" cy="787927"/>
+            <a:off x="2310313" y="1559056"/>
+            <a:ext cx="1001761" cy="836852"/>
           </a:xfrm>
           <a:prstGeom prst="rect">
             <a:avLst/>
@@ -4980,7 +4993,7 @@
       </p:pic>
       <p:pic>
         <p:nvPicPr>
-          <p:cNvPr id="48" name="图片 47"/>
+          <p:cNvPr id="54" name="图片 53"/>
           <p:cNvPicPr>
             <a:picLocks noChangeAspect="1"/>
           </p:cNvPicPr>
@@ -4994,31 +5007,30 @@
               </a:ext>
             </a:extLst>
           </a:blip>
-          <a:srcRect l="17827" t="16154" r="19507" b="10146"/>
-          <a:stretch/>
+          <a:srcRect t="16038" b="18962"/>
+          <a:stretch>
+            <a:fillRect/>
+          </a:stretch>
         </p:blipFill>
         <p:spPr>
           <a:xfrm>
-            <a:off x="8940704" y="1701365"/>
-            <a:ext cx="990215" cy="552235"/>
+            <a:off x="3521085" y="1741798"/>
+            <a:ext cx="1061518" cy="471369"/>
           </a:xfrm>
           <a:prstGeom prst="rect">
             <a:avLst/>
           </a:prstGeom>
-          <a:ln>
-            <a:noFill/>
-          </a:ln>
         </p:spPr>
       </p:pic>
       <p:pic>
         <p:nvPicPr>
-          <p:cNvPr id="52" name="图片 51"/>
+          <p:cNvPr id="55" name="图片 54"/>
           <p:cNvPicPr>
             <a:picLocks noChangeAspect="1"/>
           </p:cNvPicPr>
           <p:nvPr/>
         </p:nvPicPr>
-        <p:blipFill>
+        <p:blipFill rotWithShape="1">
           <a:blip r:embed="rId14" cstate="print">
             <a:extLst>
               <a:ext uri="{28A0092B-C50C-407E-A947-70E740481C1C}">
@@ -5026,14 +5038,15 @@
               </a:ext>
             </a:extLst>
           </a:blip>
+          <a:srcRect l="31101" t="18749" r="26678" b="16309"/>
           <a:stretch>
             <a:fillRect/>
           </a:stretch>
         </p:blipFill>
         <p:spPr>
           <a:xfrm>
-            <a:off x="2310313" y="1559056"/>
-            <a:ext cx="1001761" cy="836852"/>
+            <a:off x="6877534" y="1573506"/>
+            <a:ext cx="767470" cy="807952"/>
           </a:xfrm>
           <a:prstGeom prst="rect">
             <a:avLst/>
@@ -5042,7 +5055,7 @@
       </p:pic>
       <p:pic>
         <p:nvPicPr>
-          <p:cNvPr id="54" name="图片 53"/>
+          <p:cNvPr id="56" name="图片 55"/>
           <p:cNvPicPr>
             <a:picLocks noChangeAspect="1"/>
           </p:cNvPicPr>
@@ -5056,13 +5069,15 @@
               </a:ext>
             </a:extLst>
           </a:blip>
-          <a:srcRect t="16038" b="18962"/>
-          <a:stretch/>
+          <a:srcRect l="18089" t="15352" r="17838" b="16450"/>
+          <a:stretch>
+            <a:fillRect/>
+          </a:stretch>
         </p:blipFill>
         <p:spPr>
           <a:xfrm>
-            <a:off x="3502670" y="1741798"/>
-            <a:ext cx="1061518" cy="471369"/>
+            <a:off x="7794655" y="1620264"/>
+            <a:ext cx="980373" cy="714436"/>
           </a:xfrm>
           <a:prstGeom prst="rect">
             <a:avLst/>
@@ -5071,78 +5086,14 @@
       </p:pic>
       <p:pic>
         <p:nvPicPr>
-          <p:cNvPr id="55" name="图片 54"/>
-          <p:cNvPicPr>
-            <a:picLocks noChangeAspect="1"/>
-          </p:cNvPicPr>
-          <p:nvPr/>
-        </p:nvPicPr>
-        <p:blipFill rotWithShape="1">
-          <a:blip r:embed="rId16" cstate="print">
-            <a:extLst>
-              <a:ext uri="{28A0092B-C50C-407E-A947-70E740481C1C}">
-                <a14:useLocalDpi xmlns:a14="http://schemas.microsoft.com/office/drawing/2010/main" val="0"/>
-              </a:ext>
-            </a:extLst>
-          </a:blip>
-          <a:srcRect l="31101" t="18749" r="26678" b="16309"/>
-          <a:stretch/>
-        </p:blipFill>
-        <p:spPr>
-          <a:xfrm>
-            <a:off x="6877534" y="1573506"/>
-            <a:ext cx="767470" cy="807952"/>
-          </a:xfrm>
-          <a:prstGeom prst="rect">
-            <a:avLst/>
-          </a:prstGeom>
-        </p:spPr>
-      </p:pic>
-      <p:pic>
-        <p:nvPicPr>
-          <p:cNvPr id="56" name="图片 55"/>
-          <p:cNvPicPr>
-            <a:picLocks noChangeAspect="1"/>
-          </p:cNvPicPr>
-          <p:nvPr/>
-        </p:nvPicPr>
-        <p:blipFill rotWithShape="1">
-          <a:blip r:embed="rId17" cstate="print">
-            <a:extLst>
-              <a:ext uri="{28A0092B-C50C-407E-A947-70E740481C1C}">
-                <a14:useLocalDpi xmlns:a14="http://schemas.microsoft.com/office/drawing/2010/main" val="0"/>
-              </a:ext>
-            </a:extLst>
-          </a:blip>
-          <a:srcRect l="18089" t="15352" r="17838" b="16450"/>
-          <a:stretch/>
-        </p:blipFill>
-        <p:spPr>
-          <a:xfrm>
-            <a:off x="7784495" y="1620264"/>
-            <a:ext cx="980373" cy="714436"/>
-          </a:xfrm>
-          <a:prstGeom prst="rect">
-            <a:avLst/>
-          </a:prstGeom>
-        </p:spPr>
-      </p:pic>
-      <p:pic>
-        <p:nvPicPr>
-          <p:cNvPr id="8" name="Picture 7">
-            <a:extLst>
-              <a:ext uri="{FF2B5EF4-FFF2-40B4-BE49-F238E27FC236}">
-                <a16:creationId xmlns:a16="http://schemas.microsoft.com/office/drawing/2014/main" id="{612D405C-3F55-4391-89BB-FBE941735FEF}"/>
-              </a:ext>
-            </a:extLst>
-          </p:cNvPr>
+          <p:cNvPr id="8" name="Picture 7"/>
           <p:cNvPicPr>
             <a:picLocks noChangeAspect="1"/>
           </p:cNvPicPr>
           <p:nvPr/>
         </p:nvPicPr>
         <p:blipFill>
-          <a:blip r:embed="rId18">
+          <a:blip r:embed="rId16">
             <a:extLst>
               <a:ext uri="{28A0092B-C50C-407E-A947-70E740481C1C}">
                 <a14:useLocalDpi xmlns:a14="http://schemas.microsoft.com/office/drawing/2010/main" val="0"/>
@@ -5165,20 +5116,14 @@
       </p:pic>
       <p:pic>
         <p:nvPicPr>
-          <p:cNvPr id="1028" name="Picture 4" descr="âå¨é©¬æ±½è½¦ logoâçå¾çæç´¢ç»æ">
-            <a:extLst>
-              <a:ext uri="{FF2B5EF4-FFF2-40B4-BE49-F238E27FC236}">
-                <a16:creationId xmlns:a16="http://schemas.microsoft.com/office/drawing/2014/main" id="{14E9EF3F-031B-4B2F-8D24-E1ACA1BE1D30}"/>
-              </a:ext>
-            </a:extLst>
-          </p:cNvPr>
+          <p:cNvPr id="1028" name="Picture 4" descr="âå¨é©¬æ±½è½¦ logoâçå¾çæç´¢ç»æ"/>
           <p:cNvPicPr>
             <a:picLocks noChangeAspect="1" noChangeArrowheads="1"/>
           </p:cNvPicPr>
           <p:nvPr/>
         </p:nvPicPr>
         <p:blipFill>
-          <a:blip r:embed="rId19" cstate="print">
+          <a:blip r:embed="rId17" cstate="print">
             <a:extLst>
               <a:ext uri="{28A0092B-C50C-407E-A947-70E740481C1C}">
                 <a14:useLocalDpi xmlns:a14="http://schemas.microsoft.com/office/drawing/2010/main" val="0"/>
@@ -5212,20 +5157,14 @@
       </p:pic>
       <p:pic>
         <p:nvPicPr>
-          <p:cNvPr id="1032" name="Picture 8" descr="ânio auto logoâçå¾çæç´¢ç»æ">
-            <a:extLst>
-              <a:ext uri="{FF2B5EF4-FFF2-40B4-BE49-F238E27FC236}">
-                <a16:creationId xmlns:a16="http://schemas.microsoft.com/office/drawing/2014/main" id="{4BA339AD-3F4A-41B9-B238-B539DCC3660F}"/>
-              </a:ext>
-            </a:extLst>
-          </p:cNvPr>
+          <p:cNvPr id="1032" name="Picture 8" descr="ânio auto logoâçå¾çæç´¢ç»æ"/>
           <p:cNvPicPr>
             <a:picLocks noChangeAspect="1" noChangeArrowheads="1"/>
           </p:cNvPicPr>
           <p:nvPr/>
         </p:nvPicPr>
         <p:blipFill>
-          <a:blip r:embed="rId20" cstate="print">
+          <a:blip r:embed="rId18" cstate="print">
             <a:extLst>
               <a:ext uri="{28A0092B-C50C-407E-A947-70E740481C1C}">
                 <a14:useLocalDpi xmlns:a14="http://schemas.microsoft.com/office/drawing/2010/main" val="0"/>
@@ -5266,7 +5205,7 @@
           <p:nvPr/>
         </p:nvPicPr>
         <p:blipFill>
-          <a:blip r:embed="rId21"/>
+          <a:blip r:embed="rId19"/>
           <a:stretch>
             <a:fillRect/>
           </a:stretch>
@@ -5284,6 +5223,67 @@
       <p:pic>
         <p:nvPicPr>
           <p:cNvPr id="57" name="图片 56"/>
+          <p:cNvPicPr>
+            <a:picLocks noChangeAspect="1"/>
+          </p:cNvPicPr>
+          <p:nvPr/>
+        </p:nvPicPr>
+        <p:blipFill rotWithShape="1">
+          <a:blip r:embed="rId20" cstate="print">
+            <a:extLst>
+              <a:ext uri="{28A0092B-C50C-407E-A947-70E740481C1C}">
+                <a14:useLocalDpi xmlns:a14="http://schemas.microsoft.com/office/drawing/2010/main" val="0"/>
+              </a:ext>
+            </a:extLst>
+          </a:blip>
+          <a:srcRect l="15000" r="15217" b="23797"/>
+          <a:stretch>
+            <a:fillRect/>
+          </a:stretch>
+        </p:blipFill>
+        <p:spPr>
+          <a:xfrm>
+            <a:off x="6573848" y="2588804"/>
+            <a:ext cx="922332" cy="687535"/>
+          </a:xfrm>
+          <a:prstGeom prst="rect">
+            <a:avLst/>
+          </a:prstGeom>
+        </p:spPr>
+      </p:pic>
+      <p:pic>
+        <p:nvPicPr>
+          <p:cNvPr id="58" name="图片 57"/>
+          <p:cNvPicPr>
+            <a:picLocks noChangeAspect="1"/>
+          </p:cNvPicPr>
+          <p:nvPr/>
+        </p:nvPicPr>
+        <p:blipFill>
+          <a:blip r:embed="rId21" cstate="print">
+            <a:extLst>
+              <a:ext uri="{28A0092B-C50C-407E-A947-70E740481C1C}">
+                <a14:useLocalDpi xmlns:a14="http://schemas.microsoft.com/office/drawing/2010/main" val="0"/>
+              </a:ext>
+            </a:extLst>
+          </a:blip>
+          <a:stretch>
+            <a:fillRect/>
+          </a:stretch>
+        </p:blipFill>
+        <p:spPr>
+          <a:xfrm>
+            <a:off x="1130244" y="2682417"/>
+            <a:ext cx="1054706" cy="512232"/>
+          </a:xfrm>
+          <a:prstGeom prst="rect">
+            <a:avLst/>
+          </a:prstGeom>
+        </p:spPr>
+      </p:pic>
+      <p:pic>
+        <p:nvPicPr>
+          <p:cNvPr id="59" name="图片 58"/>
           <p:cNvPicPr>
             <a:picLocks noChangeAspect="1"/>
           </p:cNvPicPr>
@@ -5297,13 +5297,15 @@
               </a:ext>
             </a:extLst>
           </a:blip>
-          <a:srcRect l="15000" r="15217" b="23797"/>
-          <a:stretch/>
+          <a:srcRect l="16902" t="8934" r="17117" b="12993"/>
+          <a:stretch>
+            <a:fillRect/>
+          </a:stretch>
         </p:blipFill>
         <p:spPr>
           <a:xfrm>
-            <a:off x="6590358" y="2574199"/>
-            <a:ext cx="922332" cy="687535"/>
+            <a:off x="3985436" y="2647711"/>
+            <a:ext cx="784098" cy="634536"/>
           </a:xfrm>
           <a:prstGeom prst="rect">
             <a:avLst/>
@@ -5312,14 +5314,14 @@
       </p:pic>
       <p:pic>
         <p:nvPicPr>
-          <p:cNvPr id="58" name="图片 57"/>
+          <p:cNvPr id="60" name="图片 59"/>
           <p:cNvPicPr>
             <a:picLocks noChangeAspect="1"/>
           </p:cNvPicPr>
           <p:nvPr/>
         </p:nvPicPr>
         <p:blipFill>
-          <a:blip r:embed="rId23" cstate="print">
+          <a:blip r:embed="rId23">
             <a:extLst>
               <a:ext uri="{28A0092B-C50C-407E-A947-70E740481C1C}">
                 <a14:useLocalDpi xmlns:a14="http://schemas.microsoft.com/office/drawing/2010/main" val="0"/>
@@ -5332,8 +5334,8 @@
         </p:blipFill>
         <p:spPr>
           <a:xfrm>
-            <a:off x="1124529" y="2682417"/>
-            <a:ext cx="1054706" cy="512232"/>
+            <a:off x="7742227" y="2489485"/>
+            <a:ext cx="968191" cy="898096"/>
           </a:xfrm>
           <a:prstGeom prst="rect">
             <a:avLst/>
@@ -5342,43 +5344,14 @@
       </p:pic>
       <p:pic>
         <p:nvPicPr>
-          <p:cNvPr id="59" name="图片 58"/>
-          <p:cNvPicPr>
-            <a:picLocks noChangeAspect="1"/>
-          </p:cNvPicPr>
-          <p:nvPr/>
-        </p:nvPicPr>
-        <p:blipFill rotWithShape="1">
-          <a:blip r:embed="rId24" cstate="print">
-            <a:extLst>
-              <a:ext uri="{28A0092B-C50C-407E-A947-70E740481C1C}">
-                <a14:useLocalDpi xmlns:a14="http://schemas.microsoft.com/office/drawing/2010/main" val="0"/>
-              </a:ext>
-            </a:extLst>
-          </a:blip>
-          <a:srcRect l="16902" t="8934" r="17117" b="12993"/>
-          <a:stretch/>
-        </p:blipFill>
-        <p:spPr>
-          <a:xfrm>
-            <a:off x="3985436" y="2647711"/>
-            <a:ext cx="784098" cy="634536"/>
-          </a:xfrm>
-          <a:prstGeom prst="rect">
-            <a:avLst/>
-          </a:prstGeom>
-        </p:spPr>
-      </p:pic>
-      <p:pic>
-        <p:nvPicPr>
-          <p:cNvPr id="60" name="图片 59"/>
+          <p:cNvPr id="61" name="图片 60"/>
           <p:cNvPicPr>
             <a:picLocks noChangeAspect="1"/>
           </p:cNvPicPr>
           <p:nvPr/>
         </p:nvPicPr>
         <p:blipFill>
-          <a:blip r:embed="rId25">
+          <a:blip r:embed="rId24" cstate="print">
             <a:extLst>
               <a:ext uri="{28A0092B-C50C-407E-A947-70E740481C1C}">
                 <a14:useLocalDpi xmlns:a14="http://schemas.microsoft.com/office/drawing/2010/main" val="0"/>
@@ -5391,8 +5364,8 @@
         </p:blipFill>
         <p:spPr>
           <a:xfrm>
-            <a:off x="7742227" y="2489485"/>
-            <a:ext cx="968191" cy="898096"/>
+            <a:off x="8932403" y="2607422"/>
+            <a:ext cx="1021030" cy="646222"/>
           </a:xfrm>
           <a:prstGeom prst="rect">
             <a:avLst/>
@@ -5401,50 +5374,14 @@
       </p:pic>
       <p:pic>
         <p:nvPicPr>
-          <p:cNvPr id="61" name="图片 60"/>
-          <p:cNvPicPr>
-            <a:picLocks noChangeAspect="1"/>
-          </p:cNvPicPr>
-          <p:nvPr/>
-        </p:nvPicPr>
-        <p:blipFill>
-          <a:blip r:embed="rId26" cstate="print">
-            <a:extLst>
-              <a:ext uri="{28A0092B-C50C-407E-A947-70E740481C1C}">
-                <a14:useLocalDpi xmlns:a14="http://schemas.microsoft.com/office/drawing/2010/main" val="0"/>
-              </a:ext>
-            </a:extLst>
-          </a:blip>
-          <a:stretch>
-            <a:fillRect/>
-          </a:stretch>
-        </p:blipFill>
-        <p:spPr>
-          <a:xfrm>
-            <a:off x="8932403" y="2607422"/>
-            <a:ext cx="1021030" cy="646222"/>
-          </a:xfrm>
-          <a:prstGeom prst="rect">
-            <a:avLst/>
-          </a:prstGeom>
-        </p:spPr>
-      </p:pic>
-      <p:pic>
-        <p:nvPicPr>
-          <p:cNvPr id="7" name="Picture 4" descr="https://timgsa.baidu.com/timg?image&amp;quality=80&amp;size=b9999_10000&amp;sec=1547172525&amp;di=14104c91aeee2c05b23e881c1370b7c1&amp;imgtype=jpg&amp;er=1&amp;src=http%3A%2F%2F08img.mopimg.cn%2Fmobile%2F20180425%2F20180425214514_06c4f1eeaccffb697c63e1bcf2cd175a_1.jpeg">
-            <a:extLst>
-              <a:ext uri="{FF2B5EF4-FFF2-40B4-BE49-F238E27FC236}">
-                <a16:creationId xmlns:a16="http://schemas.microsoft.com/office/drawing/2014/main" id="{CA41A827-3430-4B63-ADD6-9F6503291110}"/>
-              </a:ext>
-            </a:extLst>
-          </p:cNvPr>
+          <p:cNvPr id="7" name="Picture 4" descr="https://timgsa.baidu.com/timg?image&amp;quality=80&amp;size=b9999_10000&amp;sec=1547172525&amp;di=14104c91aeee2c05b23e881c1370b7c1&amp;imgtype=jpg&amp;er=1&amp;src=http%3A%2F%2F08img.mopimg.cn%2Fmobile%2F20180425%2F20180425214514_06c4f1eeaccffb697c63e1bcf2cd175a_1.jpeg"/>
           <p:cNvPicPr>
             <a:picLocks noChangeAspect="1" noChangeArrowheads="1"/>
           </p:cNvPicPr>
           <p:nvPr/>
         </p:nvPicPr>
         <p:blipFill>
-          <a:blip r:embed="rId27" cstate="print">
+          <a:blip r:embed="rId25" cstate="print">
             <a:extLst>
               <a:ext uri="{28A0092B-C50C-407E-A947-70E740481C1C}">
                 <a14:useLocalDpi xmlns:a14="http://schemas.microsoft.com/office/drawing/2010/main" val="0"/>
@@ -5478,20 +5415,14 @@
       </p:pic>
       <p:pic>
         <p:nvPicPr>
-          <p:cNvPr id="1030" name="Picture 6" descr="https://s01.xiaopeng.com/www/1.0.9/pc/img/logo.png">
-            <a:extLst>
-              <a:ext uri="{FF2B5EF4-FFF2-40B4-BE49-F238E27FC236}">
-                <a16:creationId xmlns:a16="http://schemas.microsoft.com/office/drawing/2014/main" id="{2CED413D-03E0-4741-97A8-6A8580168086}"/>
-              </a:ext>
-            </a:extLst>
-          </p:cNvPr>
+          <p:cNvPr id="1030" name="Picture 6" descr="https://s01.xiaopeng.com/www/1.0.9/pc/img/logo.png"/>
           <p:cNvPicPr>
             <a:picLocks noChangeAspect="1" noChangeArrowheads="1"/>
           </p:cNvPicPr>
           <p:nvPr/>
         </p:nvPicPr>
         <p:blipFill rotWithShape="1">
-          <a:blip r:embed="rId28">
+          <a:blip r:embed="rId26">
             <a:extLst>
               <a:ext uri="{28A0092B-C50C-407E-A947-70E740481C1C}">
                 <a14:useLocalDpi xmlns:a14="http://schemas.microsoft.com/office/drawing/2010/main" val="0"/>
@@ -5499,7 +5430,9 @@
             </a:extLst>
           </a:blip>
           <a:srcRect t="1" r="53162" b="-12037"/>
-          <a:stretch/>
+          <a:stretch>
+            <a:fillRect/>
+          </a:stretch>
         </p:blipFill>
         <p:spPr bwMode="auto">
           <a:xfrm>
@@ -5523,16 +5456,8 @@
       </p:pic>
       <p:cxnSp>
         <p:nvCxnSpPr>
-          <p:cNvPr id="13" name="直接连接符 12">
-            <a:extLst>
-              <a:ext uri="{FF2B5EF4-FFF2-40B4-BE49-F238E27FC236}">
-                <a16:creationId xmlns:a16="http://schemas.microsoft.com/office/drawing/2014/main" id="{1980CBB5-F515-41F4-8BA8-AE518F96466B}"/>
-              </a:ext>
-            </a:extLst>
-          </p:cNvPr>
-          <p:cNvCxnSpPr>
-            <a:cxnSpLocks/>
-          </p:cNvCxnSpPr>
+          <p:cNvPr id="13" name="直接连接符 12"/>
+          <p:cNvCxnSpPr/>
           <p:nvPr/>
         </p:nvCxnSpPr>
         <p:spPr>
@@ -5568,16 +5493,8 @@
       </p:cxnSp>
       <p:cxnSp>
         <p:nvCxnSpPr>
-          <p:cNvPr id="68" name="直接连接符 67">
-            <a:extLst>
-              <a:ext uri="{FF2B5EF4-FFF2-40B4-BE49-F238E27FC236}">
-                <a16:creationId xmlns:a16="http://schemas.microsoft.com/office/drawing/2014/main" id="{5958ACC7-22C0-4A10-894D-25293F708042}"/>
-              </a:ext>
-            </a:extLst>
-          </p:cNvPr>
-          <p:cNvCxnSpPr>
-            <a:cxnSpLocks/>
-          </p:cNvCxnSpPr>
+          <p:cNvPr id="68" name="直接连接符 67"/>
+          <p:cNvCxnSpPr/>
           <p:nvPr/>
         </p:nvCxnSpPr>
         <p:spPr>
@@ -5613,16 +5530,8 @@
       </p:cxnSp>
       <p:cxnSp>
         <p:nvCxnSpPr>
-          <p:cNvPr id="69" name="直接连接符 68">
-            <a:extLst>
-              <a:ext uri="{FF2B5EF4-FFF2-40B4-BE49-F238E27FC236}">
-                <a16:creationId xmlns:a16="http://schemas.microsoft.com/office/drawing/2014/main" id="{4D4D4A1F-4F3E-49DA-8812-F2FE7C90C72F}"/>
-              </a:ext>
-            </a:extLst>
-          </p:cNvPr>
-          <p:cNvCxnSpPr>
-            <a:cxnSpLocks/>
-          </p:cNvCxnSpPr>
+          <p:cNvPr id="69" name="直接连接符 68"/>
+          <p:cNvCxnSpPr/>
           <p:nvPr/>
         </p:nvCxnSpPr>
         <p:spPr>
@@ -5658,16 +5567,8 @@
       </p:cxnSp>
       <p:cxnSp>
         <p:nvCxnSpPr>
-          <p:cNvPr id="70" name="直接连接符 69">
-            <a:extLst>
-              <a:ext uri="{FF2B5EF4-FFF2-40B4-BE49-F238E27FC236}">
-                <a16:creationId xmlns:a16="http://schemas.microsoft.com/office/drawing/2014/main" id="{4C355754-529B-4663-AA50-54BEC88D65A4}"/>
-              </a:ext>
-            </a:extLst>
-          </p:cNvPr>
-          <p:cNvCxnSpPr>
-            <a:cxnSpLocks/>
-          </p:cNvCxnSpPr>
+          <p:cNvPr id="70" name="直接连接符 69"/>
+          <p:cNvCxnSpPr/>
           <p:nvPr/>
         </p:nvCxnSpPr>
         <p:spPr>
@@ -5703,20 +5604,14 @@
       </p:cxnSp>
       <p:pic>
         <p:nvPicPr>
-          <p:cNvPr id="9" name="图片 8">
-            <a:extLst>
-              <a:ext uri="{FF2B5EF4-FFF2-40B4-BE49-F238E27FC236}">
-                <a16:creationId xmlns:a16="http://schemas.microsoft.com/office/drawing/2014/main" id="{924F01C2-0739-4EFB-9B15-6F56082752BD}"/>
-              </a:ext>
-            </a:extLst>
-          </p:cNvPr>
+          <p:cNvPr id="9" name="图片 8"/>
           <p:cNvPicPr>
             <a:picLocks noChangeAspect="1"/>
           </p:cNvPicPr>
           <p:nvPr/>
         </p:nvPicPr>
         <p:blipFill>
-          <a:blip r:embed="rId29" cstate="print">
+          <a:blip r:embed="rId27" cstate="print">
             <a:extLst>
               <a:ext uri="{28A0092B-C50C-407E-A947-70E740481C1C}">
                 <a14:useLocalDpi xmlns:a14="http://schemas.microsoft.com/office/drawing/2010/main" val="0"/>
@@ -5738,11 +5633,6 @@
         </p:spPr>
       </p:pic>
     </p:spTree>
-    <p:extLst>
-      <p:ext uri="{BB962C8B-B14F-4D97-AF65-F5344CB8AC3E}">
-        <p14:creationId xmlns:p14="http://schemas.microsoft.com/office/powerpoint/2010/main" val="1169003423"/>
-      </p:ext>
-    </p:extLst>
   </p:cSld>
   <p:clrMapOvr>
     <a:masterClrMapping/>
@@ -5793,7 +5683,7 @@
     </a:clrScheme>
     <a:fontScheme name="Office">
       <a:majorFont>
-        <a:latin typeface="Calibri Light" panose="020F0302020204030204"/>
+        <a:latin typeface="Calibri Light"/>
         <a:ea typeface=""/>
         <a:cs typeface=""/>
         <a:font script="Jpan" typeface="ＭＳ Ｐゴシック"/>
@@ -5828,7 +5718,7 @@
         <a:font script="Geor" typeface="Sylfaen"/>
       </a:majorFont>
       <a:minorFont>
-        <a:latin typeface="Calibri" panose="020F0502020204030204"/>
+        <a:latin typeface="Calibri"/>
         <a:ea typeface=""/>
         <a:cs typeface=""/>
         <a:font script="Jpan" typeface="ＭＳ Ｐゴシック"/>
@@ -6001,8 +5891,6 @@
       </a:bgFillStyleLst>
     </a:fmtScheme>
   </a:themeElements>
-  <a:objectDefaults/>
-  <a:extraClrSchemeLst/>
   <a:extLst>
     <a:ext uri="{05A4C25C-085E-4340-85A3-A5531E510DB2}">
       <thm15:themeFamily xmlns:thm15="http://schemas.microsoft.com/office/thememl/2012/main" name="Office Theme" id="{62F939B6-93AF-4DB8-9C6B-D6C7DFDC589F}" vid="{4A3C46E8-61CC-4603-A589-7422A47A8E4A}"/>
@@ -6054,7 +5942,7 @@
     </a:clrScheme>
     <a:fontScheme name="Office">
       <a:majorFont>
-        <a:latin typeface="Calibri Light" panose="020F0302020204030204"/>
+        <a:latin typeface="Calibri Light"/>
         <a:ea typeface=""/>
         <a:cs typeface=""/>
         <a:font script="Jpan" typeface="ＭＳ Ｐゴシック"/>
@@ -6089,7 +5977,7 @@
         <a:font script="Geor" typeface="Sylfaen"/>
       </a:majorFont>
       <a:minorFont>
-        <a:latin typeface="Calibri" panose="020F0502020204030204"/>
+        <a:latin typeface="Calibri"/>
         <a:ea typeface=""/>
         <a:cs typeface=""/>
         <a:font script="Jpan" typeface="ＭＳ Ｐゴシック"/>
@@ -6262,8 +6150,6 @@
       </a:bgFillStyleLst>
     </a:fmtScheme>
   </a:themeElements>
-  <a:objectDefaults/>
-  <a:extraClrSchemeLst/>
   <a:extLst>
     <a:ext uri="{05A4C25C-085E-4340-85A3-A5531E510DB2}">
       <thm15:themeFamily xmlns:thm15="http://schemas.microsoft.com/office/thememl/2012/main" name="Office Theme" id="{62F939B6-93AF-4DB8-9C6B-D6C7DFDC589F}" vid="{4A3C46E8-61CC-4603-A589-7422A47A8E4A}"/>
